--- a/2018/Presentations/General Slides.pptx
+++ b/2018/Presentations/General Slides.pptx
@@ -6,9 +6,11 @@
   </p:sldMasterIdLst>
   <p:sldIdLst>
     <p:sldId id="256" r:id="rId2"/>
-    <p:sldId id="260" r:id="rId3"/>
-    <p:sldId id="257" r:id="rId4"/>
-    <p:sldId id="259" r:id="rId5"/>
+    <p:sldId id="1546" r:id="rId3"/>
+    <p:sldId id="1545" r:id="rId4"/>
+    <p:sldId id="260" r:id="rId5"/>
+    <p:sldId id="257" r:id="rId6"/>
+    <p:sldId id="259" r:id="rId7"/>
   </p:sldIdLst>
   <p:sldSz cx="12192000" cy="6858000"/>
   <p:notesSz cx="6858000" cy="9144000"/>
@@ -120,7 +122,7 @@
   <pc:docChgLst>
     <pc:chgData name="Eldert Grootenboer" userId="3fe8758b2c2b58d2" providerId="LiveId" clId="{1C7A3EC6-9565-40AA-845B-10058C345767}"/>
     <pc:docChg chg="custSel addSld delSld modSld sldOrd">
-      <pc:chgData name="Eldert Grootenboer" userId="3fe8758b2c2b58d2" providerId="LiveId" clId="{1C7A3EC6-9565-40AA-845B-10058C345767}" dt="2018-03-23T14:51:26.534" v="98" actId="1036"/>
+      <pc:chgData name="Eldert Grootenboer" userId="3fe8758b2c2b58d2" providerId="LiveId" clId="{1C7A3EC6-9565-40AA-845B-10058C345767}" dt="2018-03-24T07:19:28.251" v="99"/>
       <pc:docMkLst>
         <pc:docMk/>
       </pc:docMkLst>
@@ -131,7 +133,7 @@
           <pc:sldMk cId="1454489938" sldId="257"/>
         </pc:sldMkLst>
         <pc:spChg chg="mod">
-          <ac:chgData name="Eldert Grootenboer" userId="3fe8758b2c2b58d2" providerId="LiveId" clId="{1C7A3EC6-9565-40AA-845B-10058C345767}" dt="2018-03-23T14:47:37.377" v="21"/>
+          <ac:chgData name="Eldert Grootenboer" userId="3fe8758b2c2b58d2" providerId="LiveId" clId="{1C7A3EC6-9565-40AA-845B-10058C345767}" dt="2018-03-23T14:47:37.377" v="21" actId="12789"/>
           <ac:spMkLst>
             <pc:docMk/>
             <pc:sldMk cId="1454489938" sldId="257"/>
@@ -170,7 +172,7 @@
           <pc:sldMk cId="92837455" sldId="258"/>
         </pc:sldMkLst>
         <pc:spChg chg="mod">
-          <ac:chgData name="Eldert Grootenboer" userId="3fe8758b2c2b58d2" providerId="LiveId" clId="{1C7A3EC6-9565-40AA-845B-10058C345767}" dt="2018-03-23T14:46:29.705" v="2"/>
+          <ac:chgData name="Eldert Grootenboer" userId="3fe8758b2c2b58d2" providerId="LiveId" clId="{1C7A3EC6-9565-40AA-845B-10058C345767}" dt="2018-03-23T14:46:29.705" v="2" actId="2696"/>
           <ac:spMkLst>
             <pc:docMk/>
             <pc:sldMk cId="92837455" sldId="258"/>
@@ -178,7 +180,7 @@
           </ac:spMkLst>
         </pc:spChg>
         <pc:spChg chg="add del mod">
-          <ac:chgData name="Eldert Grootenboer" userId="3fe8758b2c2b58d2" providerId="LiveId" clId="{1C7A3EC6-9565-40AA-845B-10058C345767}" dt="2018-03-23T14:47:43.265" v="24"/>
+          <ac:chgData name="Eldert Grootenboer" userId="3fe8758b2c2b58d2" providerId="LiveId" clId="{1C7A3EC6-9565-40AA-845B-10058C345767}" dt="2018-03-23T14:47:43.265" v="24" actId="2696"/>
           <ac:spMkLst>
             <pc:docMk/>
             <pc:sldMk cId="92837455" sldId="258"/>
@@ -240,6 +242,20 @@
           </ac:picMkLst>
         </pc:picChg>
       </pc:sldChg>
+      <pc:sldChg chg="add">
+        <pc:chgData name="Eldert Grootenboer" userId="3fe8758b2c2b58d2" providerId="LiveId" clId="{1C7A3EC6-9565-40AA-845B-10058C345767}" dt="2018-03-24T07:19:28.251" v="99"/>
+        <pc:sldMkLst>
+          <pc:docMk/>
+          <pc:sldMk cId="3738579208" sldId="1545"/>
+        </pc:sldMkLst>
+      </pc:sldChg>
+      <pc:sldChg chg="add">
+        <pc:chgData name="Eldert Grootenboer" userId="3fe8758b2c2b58d2" providerId="LiveId" clId="{1C7A3EC6-9565-40AA-845B-10058C345767}" dt="2018-03-24T07:19:28.251" v="99"/>
+        <pc:sldMkLst>
+          <pc:docMk/>
+          <pc:sldMk cId="2337563985" sldId="1546"/>
+        </pc:sldMkLst>
+      </pc:sldChg>
     </pc:docChg>
   </pc:docChgLst>
 </pc:chgInfo>
@@ -394,7 +410,7 @@
           <a:p>
             <a:fld id="{006C5F7C-324A-4C43-875C-EB1568899C96}" type="datetimeFigureOut">
               <a:rPr lang="nl-NL" smtClean="0"/>
-              <a:t>23-3-2018</a:t>
+              <a:t>24-3-2018</a:t>
             </a:fld>
             <a:endParaRPr lang="nl-NL"/>
           </a:p>
@@ -594,7 +610,7 @@
           <a:p>
             <a:fld id="{006C5F7C-324A-4C43-875C-EB1568899C96}" type="datetimeFigureOut">
               <a:rPr lang="nl-NL" smtClean="0"/>
-              <a:t>23-3-2018</a:t>
+              <a:t>24-3-2018</a:t>
             </a:fld>
             <a:endParaRPr lang="nl-NL"/>
           </a:p>
@@ -804,7 +820,7 @@
           <a:p>
             <a:fld id="{006C5F7C-324A-4C43-875C-EB1568899C96}" type="datetimeFigureOut">
               <a:rPr lang="nl-NL" smtClean="0"/>
-              <a:t>23-3-2018</a:t>
+              <a:t>24-3-2018</a:t>
             </a:fld>
             <a:endParaRPr lang="nl-NL"/>
           </a:p>
@@ -1004,7 +1020,7 @@
           <a:p>
             <a:fld id="{006C5F7C-324A-4C43-875C-EB1568899C96}" type="datetimeFigureOut">
               <a:rPr lang="nl-NL" smtClean="0"/>
-              <a:t>23-3-2018</a:t>
+              <a:t>24-3-2018</a:t>
             </a:fld>
             <a:endParaRPr lang="nl-NL"/>
           </a:p>
@@ -1280,7 +1296,7 @@
           <a:p>
             <a:fld id="{006C5F7C-324A-4C43-875C-EB1568899C96}" type="datetimeFigureOut">
               <a:rPr lang="nl-NL" smtClean="0"/>
-              <a:t>23-3-2018</a:t>
+              <a:t>24-3-2018</a:t>
             </a:fld>
             <a:endParaRPr lang="nl-NL"/>
           </a:p>
@@ -1548,7 +1564,7 @@
           <a:p>
             <a:fld id="{006C5F7C-324A-4C43-875C-EB1568899C96}" type="datetimeFigureOut">
               <a:rPr lang="nl-NL" smtClean="0"/>
-              <a:t>23-3-2018</a:t>
+              <a:t>24-3-2018</a:t>
             </a:fld>
             <a:endParaRPr lang="nl-NL"/>
           </a:p>
@@ -1963,7 +1979,7 @@
           <a:p>
             <a:fld id="{006C5F7C-324A-4C43-875C-EB1568899C96}" type="datetimeFigureOut">
               <a:rPr lang="nl-NL" smtClean="0"/>
-              <a:t>23-3-2018</a:t>
+              <a:t>24-3-2018</a:t>
             </a:fld>
             <a:endParaRPr lang="nl-NL"/>
           </a:p>
@@ -2105,7 +2121,7 @@
           <a:p>
             <a:fld id="{006C5F7C-324A-4C43-875C-EB1568899C96}" type="datetimeFigureOut">
               <a:rPr lang="nl-NL" smtClean="0"/>
-              <a:t>23-3-2018</a:t>
+              <a:t>24-3-2018</a:t>
             </a:fld>
             <a:endParaRPr lang="nl-NL"/>
           </a:p>
@@ -2218,7 +2234,7 @@
           <a:p>
             <a:fld id="{006C5F7C-324A-4C43-875C-EB1568899C96}" type="datetimeFigureOut">
               <a:rPr lang="nl-NL" smtClean="0"/>
-              <a:t>23-3-2018</a:t>
+              <a:t>24-3-2018</a:t>
             </a:fld>
             <a:endParaRPr lang="nl-NL"/>
           </a:p>
@@ -2531,7 +2547,7 @@
           <a:p>
             <a:fld id="{006C5F7C-324A-4C43-875C-EB1568899C96}" type="datetimeFigureOut">
               <a:rPr lang="nl-NL" smtClean="0"/>
-              <a:t>23-3-2018</a:t>
+              <a:t>24-3-2018</a:t>
             </a:fld>
             <a:endParaRPr lang="nl-NL"/>
           </a:p>
@@ -2820,7 +2836,7 @@
           <a:p>
             <a:fld id="{006C5F7C-324A-4C43-875C-EB1568899C96}" type="datetimeFigureOut">
               <a:rPr lang="nl-NL" smtClean="0"/>
-              <a:t>23-3-2018</a:t>
+              <a:t>24-3-2018</a:t>
             </a:fld>
             <a:endParaRPr lang="nl-NL"/>
           </a:p>
@@ -3063,7 +3079,7 @@
           <a:p>
             <a:fld id="{006C5F7C-324A-4C43-875C-EB1568899C96}" type="datetimeFigureOut">
               <a:rPr lang="nl-NL" smtClean="0"/>
-              <a:t>23-3-2018</a:t>
+              <a:t>24-3-2018</a:t>
             </a:fld>
             <a:endParaRPr lang="nl-NL"/>
           </a:p>
@@ -4244,90 +4260,63 @@
           <a:p>
             <a:r>
               <a:rPr lang="en-US" dirty="0"/>
-              <a:t>Labs</a:t>
+              <a:t>From our sponsor</a:t>
             </a:r>
             <a:endParaRPr lang="nl-NL" dirty="0"/>
-          </a:p>
-        </p:txBody>
-      </p:sp>
-      <p:sp>
-        <p:nvSpPr>
-          <p:cNvPr id="3" name="Rectangle 2">
-            <a:extLst>
-              <a:ext uri="{FF2B5EF4-FFF2-40B4-BE49-F238E27FC236}">
-                <a16:creationId xmlns:a16="http://schemas.microsoft.com/office/drawing/2014/main" id="{D80CAB82-9EAC-449B-BA38-C55894741E05}"/>
-              </a:ext>
-            </a:extLst>
-          </p:cNvPr>
-          <p:cNvSpPr/>
-          <p:nvPr/>
-        </p:nvSpPr>
-        <p:spPr>
-          <a:xfrm>
-            <a:off x="100667" y="6083173"/>
-            <a:ext cx="12029813" cy="400110"/>
-          </a:xfrm>
-          <a:prstGeom prst="rect">
-            <a:avLst/>
-          </a:prstGeom>
-        </p:spPr>
-        <p:txBody>
-          <a:bodyPr wrap="square">
-            <a:spAutoFit/>
-          </a:bodyPr>
-          <a:lstStyle/>
-          <a:p>
-            <a:pPr algn="ctr"/>
-            <a:r>
-              <a:rPr lang="nl-NL" sz="2000" dirty="0">
-                <a:hlinkClick r:id="rId2"/>
-              </a:rPr>
-              <a:t>https://github.com/GlobalIntegrationBootcamp/GlobalIntegrationBootcamp/tree/master/2018/Labs </a:t>
-            </a:r>
-            <a:endParaRPr lang="nl-NL" sz="2000" dirty="0"/>
           </a:p>
         </p:txBody>
       </p:sp>
       <p:pic>
         <p:nvPicPr>
-          <p:cNvPr id="6" name="Picture 5">
-            <a:extLst>
-              <a:ext uri="{FF2B5EF4-FFF2-40B4-BE49-F238E27FC236}">
-                <a16:creationId xmlns:a16="http://schemas.microsoft.com/office/drawing/2014/main" id="{99D25FAD-2193-4E64-A782-3B9CC2DB23D4}"/>
+          <p:cNvPr id="2050" name="Picture 2" descr="https://pbs.twimg.com/media/DZBfgkZUQAAKS94.jpg:large">
+            <a:extLst>
+              <a:ext uri="{FF2B5EF4-FFF2-40B4-BE49-F238E27FC236}">
+                <a16:creationId xmlns:a16="http://schemas.microsoft.com/office/drawing/2014/main" id="{60EDBF88-CF7B-4D5D-B4CB-C4D79C859A79}"/>
               </a:ext>
             </a:extLst>
           </p:cNvPr>
           <p:cNvPicPr>
-            <a:picLocks noChangeAspect="1"/>
+            <a:picLocks noChangeAspect="1" noChangeArrowheads="1"/>
           </p:cNvPicPr>
           <p:nvPr/>
         </p:nvPicPr>
         <p:blipFill>
-          <a:blip r:embed="rId3">
+          <a:blip r:embed="rId2">
             <a:extLst>
               <a:ext uri="{28A0092B-C50C-407E-A947-70E740481C1C}">
                 <a14:useLocalDpi xmlns:a14="http://schemas.microsoft.com/office/drawing/2010/main" val="0"/>
               </a:ext>
             </a:extLst>
           </a:blip>
+          <a:srcRect/>
           <a:stretch>
             <a:fillRect/>
           </a:stretch>
         </p:blipFill>
-        <p:spPr>
-          <a:xfrm>
-            <a:off x="4191000" y="1524000"/>
-            <a:ext cx="3810000" cy="3810000"/>
+        <p:spPr bwMode="auto">
+          <a:xfrm>
+            <a:off x="1638300" y="1213396"/>
+            <a:ext cx="8915400" cy="5015954"/>
           </a:xfrm>
           <a:prstGeom prst="rect">
             <a:avLst/>
           </a:prstGeom>
+          <a:noFill/>
+          <a:extLst>
+            <a:ext uri="{909E8E84-426E-40DD-AFC4-6F175D3DCCD1}">
+              <a14:hiddenFill xmlns:a14="http://schemas.microsoft.com/office/drawing/2010/main">
+                <a:solidFill>
+                  <a:srgbClr val="FFFFFF"/>
+                </a:solidFill>
+              </a14:hiddenFill>
+            </a:ext>
+          </a:extLst>
         </p:spPr>
       </p:pic>
     </p:spTree>
     <p:extLst>
       <p:ext uri="{BB962C8B-B14F-4D97-AF65-F5344CB8AC3E}">
-        <p14:creationId xmlns:p14="http://schemas.microsoft.com/office/powerpoint/2010/main" val="2577246824"/>
+        <p14:creationId xmlns:p14="http://schemas.microsoft.com/office/powerpoint/2010/main" val="2337563985"/>
       </p:ext>
     </p:extLst>
   </p:cSld>
@@ -4382,6 +4371,628 @@
           <a:p>
             <a:r>
               <a:rPr lang="en-US" dirty="0"/>
+              <a:t>From our sponsor</a:t>
+            </a:r>
+            <a:endParaRPr lang="nl-NL" dirty="0"/>
+          </a:p>
+        </p:txBody>
+      </p:sp>
+      <p:sp>
+        <p:nvSpPr>
+          <p:cNvPr id="5" name="Rectangle 4">
+            <a:extLst>
+              <a:ext uri="{FF2B5EF4-FFF2-40B4-BE49-F238E27FC236}">
+                <a16:creationId xmlns:a16="http://schemas.microsoft.com/office/drawing/2014/main" id="{673458FA-D7C1-4BFC-82A1-52B8182687C8}"/>
+              </a:ext>
+            </a:extLst>
+          </p:cNvPr>
+          <p:cNvSpPr/>
+          <p:nvPr/>
+        </p:nvSpPr>
+        <p:spPr>
+          <a:xfrm>
+            <a:off x="103219" y="4896965"/>
+            <a:ext cx="3279360" cy="923330"/>
+          </a:xfrm>
+          <a:prstGeom prst="rect">
+            <a:avLst/>
+          </a:prstGeom>
+        </p:spPr>
+        <p:txBody>
+          <a:bodyPr wrap="none">
+            <a:spAutoFit/>
+          </a:bodyPr>
+          <a:lstStyle/>
+          <a:p>
+            <a:pPr algn="ctr"/>
+            <a:r>
+              <a:rPr lang="en-US" dirty="0"/>
+              <a:t>Atomic Scope Gold 1 Month Free</a:t>
+            </a:r>
+          </a:p>
+          <a:p>
+            <a:pPr algn="ctr"/>
+            <a:endParaRPr lang="nl-NL" dirty="0"/>
+          </a:p>
+          <a:p>
+            <a:pPr algn="ctr"/>
+            <a:r>
+              <a:rPr lang="nl-NL" dirty="0"/>
+              <a:t>https://bit.ly/2IPOjr8</a:t>
+            </a:r>
+          </a:p>
+        </p:txBody>
+      </p:sp>
+      <p:pic>
+        <p:nvPicPr>
+          <p:cNvPr id="1026" name="Picture 2" descr="Preview of your QR Code">
+            <a:extLst>
+              <a:ext uri="{FF2B5EF4-FFF2-40B4-BE49-F238E27FC236}">
+                <a16:creationId xmlns:a16="http://schemas.microsoft.com/office/drawing/2014/main" id="{2990E321-2D43-4B2D-9492-6F322AEA9B23}"/>
+              </a:ext>
+            </a:extLst>
+          </p:cNvPr>
+          <p:cNvPicPr>
+            <a:picLocks noChangeAspect="1" noChangeArrowheads="1"/>
+          </p:cNvPicPr>
+          <p:nvPr/>
+        </p:nvPicPr>
+        <p:blipFill>
+          <a:blip r:embed="rId2">
+            <a:extLst>
+              <a:ext uri="{28A0092B-C50C-407E-A947-70E740481C1C}">
+                <a14:useLocalDpi xmlns:a14="http://schemas.microsoft.com/office/drawing/2010/main" val="0"/>
+              </a:ext>
+            </a:extLst>
+          </a:blip>
+          <a:srcRect/>
+          <a:stretch>
+            <a:fillRect/>
+          </a:stretch>
+        </p:blipFill>
+        <p:spPr bwMode="auto">
+          <a:xfrm>
+            <a:off x="695149" y="2322526"/>
+            <a:ext cx="2095500" cy="2095500"/>
+          </a:xfrm>
+          <a:prstGeom prst="rect">
+            <a:avLst/>
+          </a:prstGeom>
+          <a:noFill/>
+          <a:extLst>
+            <a:ext uri="{909E8E84-426E-40DD-AFC4-6F175D3DCCD1}">
+              <a14:hiddenFill xmlns:a14="http://schemas.microsoft.com/office/drawing/2010/main">
+                <a:solidFill>
+                  <a:srgbClr val="FFFFFF"/>
+                </a:solidFill>
+              </a14:hiddenFill>
+            </a:ext>
+          </a:extLst>
+        </p:spPr>
+      </p:pic>
+      <p:sp>
+        <p:nvSpPr>
+          <p:cNvPr id="8" name="Rectangle 7">
+            <a:extLst>
+              <a:ext uri="{FF2B5EF4-FFF2-40B4-BE49-F238E27FC236}">
+                <a16:creationId xmlns:a16="http://schemas.microsoft.com/office/drawing/2014/main" id="{10FBC7E0-985C-4B5B-BAB9-EB5B9F3879C4}"/>
+              </a:ext>
+            </a:extLst>
+          </p:cNvPr>
+          <p:cNvSpPr/>
+          <p:nvPr/>
+        </p:nvSpPr>
+        <p:spPr>
+          <a:xfrm>
+            <a:off x="4403677" y="4896965"/>
+            <a:ext cx="3384646" cy="923330"/>
+          </a:xfrm>
+          <a:prstGeom prst="rect">
+            <a:avLst/>
+          </a:prstGeom>
+        </p:spPr>
+        <p:txBody>
+          <a:bodyPr wrap="none">
+            <a:spAutoFit/>
+          </a:bodyPr>
+          <a:lstStyle/>
+          <a:p>
+            <a:pPr algn="ctr"/>
+            <a:r>
+              <a:rPr lang="en-US" dirty="0"/>
+              <a:t>BizTalk360 Platinum 1 Month Free</a:t>
+            </a:r>
+          </a:p>
+          <a:p>
+            <a:pPr algn="ctr"/>
+            <a:endParaRPr lang="nl-NL" dirty="0"/>
+          </a:p>
+          <a:p>
+            <a:pPr algn="ctr"/>
+            <a:r>
+              <a:rPr lang="nl-NL" dirty="0"/>
+              <a:t>https://bit.ly/2FZSKSB</a:t>
+            </a:r>
+          </a:p>
+        </p:txBody>
+      </p:sp>
+      <p:pic>
+        <p:nvPicPr>
+          <p:cNvPr id="1028" name="Picture 4" descr="Preview of your QR Code">
+            <a:extLst>
+              <a:ext uri="{FF2B5EF4-FFF2-40B4-BE49-F238E27FC236}">
+                <a16:creationId xmlns:a16="http://schemas.microsoft.com/office/drawing/2014/main" id="{867C2035-C0B4-4CC2-A8BC-6E8EDBB694CD}"/>
+              </a:ext>
+            </a:extLst>
+          </p:cNvPr>
+          <p:cNvPicPr>
+            <a:picLocks noChangeAspect="1" noChangeArrowheads="1"/>
+          </p:cNvPicPr>
+          <p:nvPr/>
+        </p:nvPicPr>
+        <p:blipFill>
+          <a:blip r:embed="rId3">
+            <a:extLst>
+              <a:ext uri="{28A0092B-C50C-407E-A947-70E740481C1C}">
+                <a14:useLocalDpi xmlns:a14="http://schemas.microsoft.com/office/drawing/2010/main" val="0"/>
+              </a:ext>
+            </a:extLst>
+          </a:blip>
+          <a:srcRect/>
+          <a:stretch>
+            <a:fillRect/>
+          </a:stretch>
+        </p:blipFill>
+        <p:spPr bwMode="auto">
+          <a:xfrm>
+            <a:off x="5048250" y="2322526"/>
+            <a:ext cx="2095500" cy="2095500"/>
+          </a:xfrm>
+          <a:prstGeom prst="rect">
+            <a:avLst/>
+          </a:prstGeom>
+          <a:noFill/>
+          <a:extLst>
+            <a:ext uri="{909E8E84-426E-40DD-AFC4-6F175D3DCCD1}">
+              <a14:hiddenFill xmlns:a14="http://schemas.microsoft.com/office/drawing/2010/main">
+                <a:solidFill>
+                  <a:srgbClr val="FFFFFF"/>
+                </a:solidFill>
+              </a14:hiddenFill>
+            </a:ext>
+          </a:extLst>
+        </p:spPr>
+      </p:pic>
+      <p:sp>
+        <p:nvSpPr>
+          <p:cNvPr id="11" name="Rectangle 10">
+            <a:extLst>
+              <a:ext uri="{FF2B5EF4-FFF2-40B4-BE49-F238E27FC236}">
+                <a16:creationId xmlns:a16="http://schemas.microsoft.com/office/drawing/2014/main" id="{128B4B01-00E1-4518-8485-AC8BD6E90D4E}"/>
+              </a:ext>
+            </a:extLst>
+          </p:cNvPr>
+          <p:cNvSpPr/>
+          <p:nvPr/>
+        </p:nvSpPr>
+        <p:spPr>
+          <a:xfrm>
+            <a:off x="8453743" y="4896965"/>
+            <a:ext cx="3458191" cy="923330"/>
+          </a:xfrm>
+          <a:prstGeom prst="rect">
+            <a:avLst/>
+          </a:prstGeom>
+        </p:spPr>
+        <p:txBody>
+          <a:bodyPr wrap="none">
+            <a:spAutoFit/>
+          </a:bodyPr>
+          <a:lstStyle/>
+          <a:p>
+            <a:pPr algn="ctr"/>
+            <a:r>
+              <a:rPr lang="en-US" dirty="0"/>
+              <a:t>ServiceBus360 Gold 2 Months Free</a:t>
+            </a:r>
+          </a:p>
+          <a:p>
+            <a:pPr algn="ctr"/>
+            <a:endParaRPr lang="nl-NL" dirty="0"/>
+          </a:p>
+          <a:p>
+            <a:pPr algn="ctr"/>
+            <a:r>
+              <a:rPr lang="nl-NL" dirty="0"/>
+              <a:t>https://bit.ly/2GiRGJ4</a:t>
+            </a:r>
+          </a:p>
+        </p:txBody>
+      </p:sp>
+      <p:pic>
+        <p:nvPicPr>
+          <p:cNvPr id="1032" name="Picture 8" descr="Preview of your QR Code">
+            <a:extLst>
+              <a:ext uri="{FF2B5EF4-FFF2-40B4-BE49-F238E27FC236}">
+                <a16:creationId xmlns:a16="http://schemas.microsoft.com/office/drawing/2014/main" id="{35F5F0AF-0F87-4521-9DAC-EAF2B13AB5D4}"/>
+              </a:ext>
+            </a:extLst>
+          </p:cNvPr>
+          <p:cNvPicPr>
+            <a:picLocks noChangeAspect="1" noChangeArrowheads="1"/>
+          </p:cNvPicPr>
+          <p:nvPr/>
+        </p:nvPicPr>
+        <p:blipFill>
+          <a:blip r:embed="rId4">
+            <a:extLst>
+              <a:ext uri="{28A0092B-C50C-407E-A947-70E740481C1C}">
+                <a14:useLocalDpi xmlns:a14="http://schemas.microsoft.com/office/drawing/2010/main" val="0"/>
+              </a:ext>
+            </a:extLst>
+          </a:blip>
+          <a:srcRect/>
+          <a:stretch>
+            <a:fillRect/>
+          </a:stretch>
+        </p:blipFill>
+        <p:spPr bwMode="auto">
+          <a:xfrm>
+            <a:off x="9135088" y="2322526"/>
+            <a:ext cx="2095500" cy="2095500"/>
+          </a:xfrm>
+          <a:prstGeom prst="rect">
+            <a:avLst/>
+          </a:prstGeom>
+          <a:noFill/>
+          <a:extLst>
+            <a:ext uri="{909E8E84-426E-40DD-AFC4-6F175D3DCCD1}">
+              <a14:hiddenFill xmlns:a14="http://schemas.microsoft.com/office/drawing/2010/main">
+                <a:solidFill>
+                  <a:srgbClr val="FFFFFF"/>
+                </a:solidFill>
+              </a14:hiddenFill>
+            </a:ext>
+          </a:extLst>
+        </p:spPr>
+      </p:pic>
+      <p:pic>
+        <p:nvPicPr>
+          <p:cNvPr id="1034" name="Picture 10" descr="ServiceBus360">
+            <a:extLst>
+              <a:ext uri="{FF2B5EF4-FFF2-40B4-BE49-F238E27FC236}">
+                <a16:creationId xmlns:a16="http://schemas.microsoft.com/office/drawing/2014/main" id="{246BA7A4-E88F-4002-A1D1-CF33CC5F0AC9}"/>
+              </a:ext>
+            </a:extLst>
+          </p:cNvPr>
+          <p:cNvPicPr>
+            <a:picLocks noChangeAspect="1" noChangeArrowheads="1"/>
+          </p:cNvPicPr>
+          <p:nvPr/>
+        </p:nvPicPr>
+        <p:blipFill>
+          <a:blip r:embed="rId5">
+            <a:extLst>
+              <a:ext uri="{28A0092B-C50C-407E-A947-70E740481C1C}">
+                <a14:useLocalDpi xmlns:a14="http://schemas.microsoft.com/office/drawing/2010/main" val="0"/>
+              </a:ext>
+            </a:extLst>
+          </a:blip>
+          <a:srcRect/>
+          <a:stretch>
+            <a:fillRect/>
+          </a:stretch>
+        </p:blipFill>
+        <p:spPr bwMode="auto">
+          <a:xfrm>
+            <a:off x="8968400" y="1768731"/>
+            <a:ext cx="2428875" cy="314325"/>
+          </a:xfrm>
+          <a:prstGeom prst="rect">
+            <a:avLst/>
+          </a:prstGeom>
+          <a:noFill/>
+          <a:extLst>
+            <a:ext uri="{909E8E84-426E-40DD-AFC4-6F175D3DCCD1}">
+              <a14:hiddenFill xmlns:a14="http://schemas.microsoft.com/office/drawing/2010/main">
+                <a:solidFill>
+                  <a:srgbClr val="FFFFFF"/>
+                </a:solidFill>
+              </a14:hiddenFill>
+            </a:ext>
+          </a:extLst>
+        </p:spPr>
+      </p:pic>
+      <p:pic>
+        <p:nvPicPr>
+          <p:cNvPr id="1036" name="Picture 12" descr="BizTalk Server Monitoring &amp; Management Solution | BizTalk360">
+            <a:extLst>
+              <a:ext uri="{FF2B5EF4-FFF2-40B4-BE49-F238E27FC236}">
+                <a16:creationId xmlns:a16="http://schemas.microsoft.com/office/drawing/2014/main" id="{8C7A58A2-DD5B-459B-A93F-78A3E624B654}"/>
+              </a:ext>
+            </a:extLst>
+          </p:cNvPr>
+          <p:cNvPicPr>
+            <a:picLocks noChangeAspect="1" noChangeArrowheads="1"/>
+          </p:cNvPicPr>
+          <p:nvPr/>
+        </p:nvPicPr>
+        <p:blipFill>
+          <a:blip r:embed="rId6">
+            <a:extLst>
+              <a:ext uri="{28A0092B-C50C-407E-A947-70E740481C1C}">
+                <a14:useLocalDpi xmlns:a14="http://schemas.microsoft.com/office/drawing/2010/main" val="0"/>
+              </a:ext>
+            </a:extLst>
+          </a:blip>
+          <a:srcRect/>
+          <a:stretch>
+            <a:fillRect/>
+          </a:stretch>
+        </p:blipFill>
+        <p:spPr bwMode="auto">
+          <a:xfrm>
+            <a:off x="5143500" y="1768731"/>
+            <a:ext cx="1905000" cy="323850"/>
+          </a:xfrm>
+          <a:prstGeom prst="rect">
+            <a:avLst/>
+          </a:prstGeom>
+          <a:noFill/>
+          <a:extLst>
+            <a:ext uri="{909E8E84-426E-40DD-AFC4-6F175D3DCCD1}">
+              <a14:hiddenFill xmlns:a14="http://schemas.microsoft.com/office/drawing/2010/main">
+                <a:solidFill>
+                  <a:srgbClr val="FFFFFF"/>
+                </a:solidFill>
+              </a14:hiddenFill>
+            </a:ext>
+          </a:extLst>
+        </p:spPr>
+      </p:pic>
+      <p:pic>
+        <p:nvPicPr>
+          <p:cNvPr id="1038" name="Picture 14" descr="Atomic Scope logo">
+            <a:extLst>
+              <a:ext uri="{FF2B5EF4-FFF2-40B4-BE49-F238E27FC236}">
+                <a16:creationId xmlns:a16="http://schemas.microsoft.com/office/drawing/2014/main" id="{8A985A66-5B2F-423C-AB36-85D763218280}"/>
+              </a:ext>
+            </a:extLst>
+          </p:cNvPr>
+          <p:cNvPicPr>
+            <a:picLocks noChangeAspect="1" noChangeArrowheads="1"/>
+          </p:cNvPicPr>
+          <p:nvPr/>
+        </p:nvPicPr>
+        <p:blipFill>
+          <a:blip r:embed="rId7">
+            <a:extLst>
+              <a:ext uri="{28A0092B-C50C-407E-A947-70E740481C1C}">
+                <a14:useLocalDpi xmlns:a14="http://schemas.microsoft.com/office/drawing/2010/main" val="0"/>
+              </a:ext>
+            </a:extLst>
+          </a:blip>
+          <a:srcRect/>
+          <a:stretch>
+            <a:fillRect/>
+          </a:stretch>
+        </p:blipFill>
+        <p:spPr bwMode="auto">
+          <a:xfrm>
+            <a:off x="599899" y="1772969"/>
+            <a:ext cx="2286000" cy="209550"/>
+          </a:xfrm>
+          <a:prstGeom prst="rect">
+            <a:avLst/>
+          </a:prstGeom>
+          <a:noFill/>
+          <a:extLst>
+            <a:ext uri="{909E8E84-426E-40DD-AFC4-6F175D3DCCD1}">
+              <a14:hiddenFill xmlns:a14="http://schemas.microsoft.com/office/drawing/2010/main">
+                <a:solidFill>
+                  <a:srgbClr val="FFFFFF"/>
+                </a:solidFill>
+              </a14:hiddenFill>
+            </a:ext>
+          </a:extLst>
+        </p:spPr>
+      </p:pic>
+    </p:spTree>
+    <p:extLst>
+      <p:ext uri="{BB962C8B-B14F-4D97-AF65-F5344CB8AC3E}">
+        <p14:creationId xmlns:p14="http://schemas.microsoft.com/office/powerpoint/2010/main" val="3738579208"/>
+      </p:ext>
+    </p:extLst>
+  </p:cSld>
+  <p:clrMapOvr>
+    <a:masterClrMapping/>
+  </p:clrMapOvr>
+</p:sld>
+</file>
+
+<file path=ppt/slides/slide4.xml><?xml version="1.0" encoding="utf-8"?>
+<p:sld xmlns:a="http://schemas.openxmlformats.org/drawingml/2006/main" xmlns:r="http://schemas.openxmlformats.org/officeDocument/2006/relationships" xmlns:p="http://schemas.openxmlformats.org/presentationml/2006/main">
+  <p:cSld>
+    <p:spTree>
+      <p:nvGrpSpPr>
+        <p:cNvPr id="1" name=""/>
+        <p:cNvGrpSpPr/>
+        <p:nvPr/>
+      </p:nvGrpSpPr>
+      <p:grpSpPr>
+        <a:xfrm>
+          <a:off x="0" y="0"/>
+          <a:ext cx="0" cy="0"/>
+          <a:chOff x="0" y="0"/>
+          <a:chExt cx="0" cy="0"/>
+        </a:xfrm>
+      </p:grpSpPr>
+      <p:sp>
+        <p:nvSpPr>
+          <p:cNvPr id="2" name="Title 1">
+            <a:extLst>
+              <a:ext uri="{FF2B5EF4-FFF2-40B4-BE49-F238E27FC236}">
+                <a16:creationId xmlns:a16="http://schemas.microsoft.com/office/drawing/2014/main" id="{988DFD50-DF9E-4B18-A5DF-3F2F399393FE}"/>
+              </a:ext>
+            </a:extLst>
+          </p:cNvPr>
+          <p:cNvSpPr>
+            <a:spLocks noGrp="1"/>
+          </p:cNvSpPr>
+          <p:nvPr>
+            <p:ph type="title"/>
+          </p:nvPr>
+        </p:nvSpPr>
+        <p:spPr>
+          <a:xfrm>
+            <a:off x="838200" y="11185"/>
+            <a:ext cx="10515600" cy="910311"/>
+          </a:xfrm>
+        </p:spPr>
+        <p:txBody>
+          <a:bodyPr/>
+          <a:lstStyle/>
+          <a:p>
+            <a:r>
+              <a:rPr lang="en-US" dirty="0"/>
+              <a:t>Labs</a:t>
+            </a:r>
+            <a:endParaRPr lang="nl-NL" dirty="0"/>
+          </a:p>
+        </p:txBody>
+      </p:sp>
+      <p:sp>
+        <p:nvSpPr>
+          <p:cNvPr id="3" name="Rectangle 2">
+            <a:extLst>
+              <a:ext uri="{FF2B5EF4-FFF2-40B4-BE49-F238E27FC236}">
+                <a16:creationId xmlns:a16="http://schemas.microsoft.com/office/drawing/2014/main" id="{D80CAB82-9EAC-449B-BA38-C55894741E05}"/>
+              </a:ext>
+            </a:extLst>
+          </p:cNvPr>
+          <p:cNvSpPr/>
+          <p:nvPr/>
+        </p:nvSpPr>
+        <p:spPr>
+          <a:xfrm>
+            <a:off x="100667" y="6083173"/>
+            <a:ext cx="12029813" cy="400110"/>
+          </a:xfrm>
+          <a:prstGeom prst="rect">
+            <a:avLst/>
+          </a:prstGeom>
+        </p:spPr>
+        <p:txBody>
+          <a:bodyPr wrap="square">
+            <a:spAutoFit/>
+          </a:bodyPr>
+          <a:lstStyle/>
+          <a:p>
+            <a:pPr algn="ctr"/>
+            <a:r>
+              <a:rPr lang="nl-NL" sz="2000" dirty="0">
+                <a:hlinkClick r:id="rId2"/>
+              </a:rPr>
+              <a:t>https://github.com/GlobalIntegrationBootcamp/GlobalIntegrationBootcamp/tree/master/2018/Labs </a:t>
+            </a:r>
+            <a:endParaRPr lang="nl-NL" sz="2000" dirty="0"/>
+          </a:p>
+        </p:txBody>
+      </p:sp>
+      <p:pic>
+        <p:nvPicPr>
+          <p:cNvPr id="6" name="Picture 5">
+            <a:extLst>
+              <a:ext uri="{FF2B5EF4-FFF2-40B4-BE49-F238E27FC236}">
+                <a16:creationId xmlns:a16="http://schemas.microsoft.com/office/drawing/2014/main" id="{99D25FAD-2193-4E64-A782-3B9CC2DB23D4}"/>
+              </a:ext>
+            </a:extLst>
+          </p:cNvPr>
+          <p:cNvPicPr>
+            <a:picLocks noChangeAspect="1"/>
+          </p:cNvPicPr>
+          <p:nvPr/>
+        </p:nvPicPr>
+        <p:blipFill>
+          <a:blip r:embed="rId3">
+            <a:extLst>
+              <a:ext uri="{28A0092B-C50C-407E-A947-70E740481C1C}">
+                <a14:useLocalDpi xmlns:a14="http://schemas.microsoft.com/office/drawing/2010/main" val="0"/>
+              </a:ext>
+            </a:extLst>
+          </a:blip>
+          <a:stretch>
+            <a:fillRect/>
+          </a:stretch>
+        </p:blipFill>
+        <p:spPr>
+          <a:xfrm>
+            <a:off x="4191000" y="1524000"/>
+            <a:ext cx="3810000" cy="3810000"/>
+          </a:xfrm>
+          <a:prstGeom prst="rect">
+            <a:avLst/>
+          </a:prstGeom>
+        </p:spPr>
+      </p:pic>
+    </p:spTree>
+    <p:extLst>
+      <p:ext uri="{BB962C8B-B14F-4D97-AF65-F5344CB8AC3E}">
+        <p14:creationId xmlns:p14="http://schemas.microsoft.com/office/powerpoint/2010/main" val="2577246824"/>
+      </p:ext>
+    </p:extLst>
+  </p:cSld>
+  <p:clrMapOvr>
+    <a:masterClrMapping/>
+  </p:clrMapOvr>
+</p:sld>
+</file>
+
+<file path=ppt/slides/slide5.xml><?xml version="1.0" encoding="utf-8"?>
+<p:sld xmlns:a="http://schemas.openxmlformats.org/drawingml/2006/main" xmlns:r="http://schemas.openxmlformats.org/officeDocument/2006/relationships" xmlns:p="http://schemas.openxmlformats.org/presentationml/2006/main">
+  <p:cSld>
+    <p:spTree>
+      <p:nvGrpSpPr>
+        <p:cNvPr id="1" name=""/>
+        <p:cNvGrpSpPr/>
+        <p:nvPr/>
+      </p:nvGrpSpPr>
+      <p:grpSpPr>
+        <a:xfrm>
+          <a:off x="0" y="0"/>
+          <a:ext cx="0" cy="0"/>
+          <a:chOff x="0" y="0"/>
+          <a:chExt cx="0" cy="0"/>
+        </a:xfrm>
+      </p:grpSpPr>
+      <p:sp>
+        <p:nvSpPr>
+          <p:cNvPr id="2" name="Title 1">
+            <a:extLst>
+              <a:ext uri="{FF2B5EF4-FFF2-40B4-BE49-F238E27FC236}">
+                <a16:creationId xmlns:a16="http://schemas.microsoft.com/office/drawing/2014/main" id="{988DFD50-DF9E-4B18-A5DF-3F2F399393FE}"/>
+              </a:ext>
+            </a:extLst>
+          </p:cNvPr>
+          <p:cNvSpPr>
+            <a:spLocks noGrp="1"/>
+          </p:cNvSpPr>
+          <p:nvPr>
+            <p:ph type="title"/>
+          </p:nvPr>
+        </p:nvSpPr>
+        <p:spPr>
+          <a:xfrm>
+            <a:off x="838200" y="11185"/>
+            <a:ext cx="10515600" cy="910311"/>
+          </a:xfrm>
+        </p:spPr>
+        <p:txBody>
+          <a:bodyPr/>
+          <a:lstStyle/>
+          <a:p>
+            <a:r>
+              <a:rPr lang="en-US" dirty="0"/>
               <a:t>BizTalk Server Open Source Community</a:t>
             </a:r>
             <a:endParaRPr lang="nl-NL" dirty="0"/>
@@ -4489,7 +5100,7 @@
 </p:sld>
 </file>
 
-<file path=ppt/slides/slide4.xml><?xml version="1.0" encoding="utf-8"?>
+<file path=ppt/slides/slide6.xml><?xml version="1.0" encoding="utf-8"?>
 <p:sld xmlns:a="http://schemas.openxmlformats.org/drawingml/2006/main" xmlns:r="http://schemas.openxmlformats.org/officeDocument/2006/relationships" xmlns:p="http://schemas.openxmlformats.org/presentationml/2006/main">
   <p:cSld>
     <p:spTree>

--- a/2018/Presentations/General Slides.pptx
+++ b/2018/Presentations/General Slides.pptx
@@ -4417,9 +4417,12 @@
           <a:p>
             <a:pPr algn="ctr"/>
             <a:r>
-              <a:rPr lang="nl-NL" dirty="0"/>
+              <a:rPr lang="nl-NL" dirty="0">
+                <a:hlinkClick r:id="rId2"/>
+              </a:rPr>
               <a:t>https://bit.ly/2IPOjr8</a:t>
             </a:r>
+            <a:endParaRPr lang="nl-NL" dirty="0"/>
           </a:p>
         </p:txBody>
       </p:sp>
@@ -4438,7 +4441,7 @@
           <p:nvPr/>
         </p:nvPicPr>
         <p:blipFill>
-          <a:blip r:embed="rId2">
+          <a:blip r:embed="rId3">
             <a:extLst>
               <a:ext uri="{28A0092B-C50C-407E-A947-70E740481C1C}">
                 <a14:useLocalDpi xmlns:a14="http://schemas.microsoft.com/office/drawing/2010/main" val="0"/>
@@ -4510,9 +4513,12 @@
           <a:p>
             <a:pPr algn="ctr"/>
             <a:r>
-              <a:rPr lang="nl-NL" dirty="0"/>
+              <a:rPr lang="nl-NL" dirty="0">
+                <a:hlinkClick r:id="rId4"/>
+              </a:rPr>
               <a:t>https://bit.ly/2FZSKSB</a:t>
             </a:r>
+            <a:endParaRPr lang="nl-NL" dirty="0"/>
           </a:p>
         </p:txBody>
       </p:sp>
@@ -4531,7 +4537,7 @@
           <p:nvPr/>
         </p:nvPicPr>
         <p:blipFill>
-          <a:blip r:embed="rId3">
+          <a:blip r:embed="rId5">
             <a:extLst>
               <a:ext uri="{28A0092B-C50C-407E-A947-70E740481C1C}">
                 <a14:useLocalDpi xmlns:a14="http://schemas.microsoft.com/office/drawing/2010/main" val="0"/>
@@ -4603,9 +4609,12 @@
           <a:p>
             <a:pPr algn="ctr"/>
             <a:r>
-              <a:rPr lang="nl-NL" dirty="0"/>
+              <a:rPr lang="nl-NL" dirty="0">
+                <a:hlinkClick r:id="rId6"/>
+              </a:rPr>
               <a:t>https://bit.ly/2GiRGJ4</a:t>
             </a:r>
+            <a:endParaRPr lang="nl-NL" dirty="0"/>
           </a:p>
         </p:txBody>
       </p:sp>
@@ -4624,7 +4633,7 @@
           <p:nvPr/>
         </p:nvPicPr>
         <p:blipFill>
-          <a:blip r:embed="rId4">
+          <a:blip r:embed="rId7">
             <a:extLst>
               <a:ext uri="{28A0092B-C50C-407E-A947-70E740481C1C}">
                 <a14:useLocalDpi xmlns:a14="http://schemas.microsoft.com/office/drawing/2010/main" val="0"/>
@@ -4671,7 +4680,7 @@
           <p:nvPr/>
         </p:nvPicPr>
         <p:blipFill>
-          <a:blip r:embed="rId5">
+          <a:blip r:embed="rId8">
             <a:extLst>
               <a:ext uri="{28A0092B-C50C-407E-A947-70E740481C1C}">
                 <a14:useLocalDpi xmlns:a14="http://schemas.microsoft.com/office/drawing/2010/main" val="0"/>
@@ -4718,7 +4727,7 @@
           <p:nvPr/>
         </p:nvPicPr>
         <p:blipFill>
-          <a:blip r:embed="rId6">
+          <a:blip r:embed="rId9">
             <a:extLst>
               <a:ext uri="{28A0092B-C50C-407E-A947-70E740481C1C}">
                 <a14:useLocalDpi xmlns:a14="http://schemas.microsoft.com/office/drawing/2010/main" val="0"/>
@@ -4765,7 +4774,7 @@
           <p:nvPr/>
         </p:nvPicPr>
         <p:blipFill>
-          <a:blip r:embed="rId7">
+          <a:blip r:embed="rId10">
             <a:extLst>
               <a:ext uri="{28A0092B-C50C-407E-A947-70E740481C1C}">
                 <a14:useLocalDpi xmlns:a14="http://schemas.microsoft.com/office/drawing/2010/main" val="0"/>
